--- a/AICTE_STEGANOGRAPHY.pptx
+++ b/AICTE_STEGANOGRAPHY.pptx
@@ -134,6 +134,43 @@
     </p:ext>
   </p:extLst>
 </p:presentation>
+</file>
+
+<file path=ppt/revisionInfo.xml><?xml version="1.0" encoding="utf-8"?>
+<p1510:revInfo xmlns:a="http://schemas.openxmlformats.org/drawingml/2006/main" xmlns:r="http://schemas.openxmlformats.org/officeDocument/2006/relationships" xmlns:p1510="http://schemas.microsoft.com/office/powerpoint/2015/10/main">
+  <p1510:revLst>
+    <p1510:client id="{D928BD45-BB44-4A71-ADC5-3CB1DE18650C}" v="1" dt="2025-02-22T07:11:49.306"/>
+  </p1510:revLst>
+</p1510:revInfo>
+</file>
+
+<file path=ppt/changesInfos/changesInfo1.xml><?xml version="1.0" encoding="utf-8"?>
+<pc:chgInfo xmlns:a="http://schemas.openxmlformats.org/drawingml/2006/main" xmlns:r="http://schemas.openxmlformats.org/officeDocument/2006/relationships" xmlns:ac="http://schemas.microsoft.com/office/drawing/2013/main/command" xmlns:pc="http://schemas.microsoft.com/office/powerpoint/2013/main/command">
+  <pc:docChgLst>
+    <pc:chgData name="Swathi S" userId="52cbb82434735ede" providerId="LiveId" clId="{D928BD45-BB44-4A71-ADC5-3CB1DE18650C}"/>
+    <pc:docChg chg="modSld">
+      <pc:chgData name="Swathi S" userId="52cbb82434735ede" providerId="LiveId" clId="{D928BD45-BB44-4A71-ADC5-3CB1DE18650C}" dt="2025-02-22T07:12:02.393" v="2" actId="20577"/>
+      <pc:docMkLst>
+        <pc:docMk/>
+      </pc:docMkLst>
+      <pc:sldChg chg="modSp mod">
+        <pc:chgData name="Swathi S" userId="52cbb82434735ede" providerId="LiveId" clId="{D928BD45-BB44-4A71-ADC5-3CB1DE18650C}" dt="2025-02-22T07:12:02.393" v="2" actId="20577"/>
+        <pc:sldMkLst>
+          <pc:docMk/>
+          <pc:sldMk cId="2230664768" sldId="2146847061"/>
+        </pc:sldMkLst>
+        <pc:spChg chg="mod">
+          <ac:chgData name="Swathi S" userId="52cbb82434735ede" providerId="LiveId" clId="{D928BD45-BB44-4A71-ADC5-3CB1DE18650C}" dt="2025-02-22T07:12:02.393" v="2" actId="20577"/>
+          <ac:spMkLst>
+            <pc:docMk/>
+            <pc:sldMk cId="2230664768" sldId="2146847061"/>
+            <ac:spMk id="3" creationId="{51A299DD-46FA-7866-41D8-C1BFCC2F69DD}"/>
+          </ac:spMkLst>
+        </pc:spChg>
+      </pc:sldChg>
+    </pc:docChg>
+  </pc:docChgLst>
+</pc:chgInfo>
 </file>
 
 <file path=ppt/notesMasters/notesMaster1.xml><?xml version="1.0" encoding="utf-8"?>
@@ -7134,9 +7171,36 @@
           <a:lstStyle/>
           <a:p>
             <a:r>
-              <a:rPr lang="en-IN" dirty="0"/>
-              <a:t>https://github.com/Swathi-2003/STEGANOGRAPHY.git</a:t>
-            </a:r>
+              <a:rPr lang="en-IN" dirty="0">
+                <a:hlinkClick r:id="rId2"/>
+              </a:rPr>
+              <a:t>https://github.</a:t>
+            </a:r>
+            <a:r>
+              <a:rPr lang="en-IN">
+                <a:hlinkClick r:id="rId2"/>
+              </a:rPr>
+              <a:t>com/sSwathi-2003</a:t>
+            </a:r>
+            <a:r>
+              <a:rPr lang="en-IN" dirty="0">
+                <a:hlinkClick r:id="rId2"/>
+              </a:rPr>
+              <a:t>/STEGANOGRAPHY</a:t>
+            </a:r>
+            <a:r>
+              <a:rPr lang="en-IN">
+                <a:hlinkClick r:id="rId2"/>
+              </a:rPr>
+              <a:t>.git</a:t>
+            </a:r>
+            <a:endParaRPr lang="en-IN"/>
+          </a:p>
+          <a:p>
+            <a:pPr marL="0" indent="0">
+              <a:buNone/>
+            </a:pPr>
+            <a:endParaRPr lang="en-IN" dirty="0"/>
           </a:p>
         </p:txBody>
       </p:sp>
@@ -7718,20 +7782,20 @@
 </file>
 
 <file path=customXml/item1.xml><?xml version="1.0" encoding="utf-8"?>
-<p:properties xmlns:p="http://schemas.microsoft.com/office/2006/metadata/properties" xmlns:xsi="http://www.w3.org/2001/XMLSchema-instance" xmlns:pc="http://schemas.microsoft.com/office/infopath/2007/PartnerControls">
-  <documentManagement>
-    <_activity xmlns="b30265f8-c5e2-4918-b4a1-b977299ca3e2" xsi:nil="true"/>
-  </documentManagement>
-</p:properties>
-</file>
-
-<file path=customXml/item2.xml><?xml version="1.0" encoding="utf-8"?>
 <?mso-contentType ?>
 <FormTemplates xmlns="http://schemas.microsoft.com/sharepoint/v3/contenttype/forms">
   <Display>DocumentLibraryForm</Display>
   <Edit>DocumentLibraryForm</Edit>
   <New>DocumentLibraryForm</New>
 </FormTemplates>
+</file>
+
+<file path=customXml/item2.xml><?xml version="1.0" encoding="utf-8"?>
+<p:properties xmlns:p="http://schemas.microsoft.com/office/2006/metadata/properties" xmlns:xsi="http://www.w3.org/2001/XMLSchema-instance" xmlns:pc="http://schemas.microsoft.com/office/infopath/2007/PartnerControls">
+  <documentManagement>
+    <_activity xmlns="b30265f8-c5e2-4918-b4a1-b977299ca3e2" xsi:nil="true"/>
+  </documentManagement>
+</p:properties>
 </file>
 
 <file path=customXml/item3.xml><?xml version="1.0" encoding="utf-8"?>
@@ -7968,6 +8032,14 @@
 </file>
 
 <file path=customXml/itemProps1.xml><?xml version="1.0" encoding="utf-8"?>
+<ds:datastoreItem xmlns:ds="http://schemas.openxmlformats.org/officeDocument/2006/customXml" ds:itemID="{927BD4C1-B6B1-4715-ABF9-E660A51A4EA0}">
+  <ds:schemaRefs>
+    <ds:schemaRef ds:uri="http://schemas.microsoft.com/sharepoint/v3/contenttype/forms"/>
+  </ds:schemaRefs>
+</ds:datastoreItem>
+</file>
+
+<file path=customXml/itemProps2.xml><?xml version="1.0" encoding="utf-8"?>
 <ds:datastoreItem xmlns:ds="http://schemas.openxmlformats.org/officeDocument/2006/customXml" ds:itemID="{8D289AE2-D2AE-49D1-AFAC-3A79F6794255}">
   <ds:schemaRefs>
     <ds:schemaRef ds:uri="http://schemas.openxmlformats.org/package/2006/metadata/core-properties"/>
@@ -7980,14 +8052,6 @@
     <ds:schemaRef ds:uri="http://purl.org/dc/terms/"/>
     <ds:schemaRef ds:uri="b30265f8-c5e2-4918-b4a1-b977299ca3e2"/>
     <ds:schemaRef ds:uri="http://www.w3.org/XML/1998/namespace"/>
-  </ds:schemaRefs>
-</ds:datastoreItem>
-</file>
-
-<file path=customXml/itemProps2.xml><?xml version="1.0" encoding="utf-8"?>
-<ds:datastoreItem xmlns:ds="http://schemas.openxmlformats.org/officeDocument/2006/customXml" ds:itemID="{927BD4C1-B6B1-4715-ABF9-E660A51A4EA0}">
-  <ds:schemaRefs>
-    <ds:schemaRef ds:uri="http://schemas.microsoft.com/sharepoint/v3/contenttype/forms"/>
   </ds:schemaRefs>
 </ds:datastoreItem>
 </file>
